--- a/Презентация DevOps Шабанов А.В..pptx
+++ b/Презентация DevOps Шабанов А.В..pptx
@@ -5,7 +5,7 @@
     <p:sldMasterId id="2147483648" r:id="rId1"/>
   </p:sldMasterIdLst>
   <p:notesMasterIdLst>
-    <p:notesMasterId r:id="rId12"/>
+    <p:notesMasterId r:id="rId13"/>
   </p:notesMasterIdLst>
   <p:sldIdLst>
     <p:sldId id="256" r:id="rId2"/>
@@ -13,11 +13,12 @@
     <p:sldId id="259" r:id="rId4"/>
     <p:sldId id="262" r:id="rId5"/>
     <p:sldId id="277" r:id="rId6"/>
-    <p:sldId id="278" r:id="rId7"/>
-    <p:sldId id="279" r:id="rId8"/>
-    <p:sldId id="281" r:id="rId9"/>
-    <p:sldId id="280" r:id="rId10"/>
-    <p:sldId id="276" r:id="rId11"/>
+    <p:sldId id="282" r:id="rId7"/>
+    <p:sldId id="278" r:id="rId8"/>
+    <p:sldId id="279" r:id="rId9"/>
+    <p:sldId id="281" r:id="rId10"/>
+    <p:sldId id="280" r:id="rId11"/>
+    <p:sldId id="276" r:id="rId12"/>
   </p:sldIdLst>
   <p:sldSz cx="12192000" cy="6858000"/>
   <p:notesSz cx="6858000" cy="9144000"/>
@@ -266,7 +267,7 @@
       </p15:sldGuideLst>
     </p:ext>
     <p:ext uri="http://customooxmlschemas.google.com/">
-      <go:slidesCustomData xmlns="" xmlns:mc="http://schemas.openxmlformats.org/markup-compatibility/2006" xmlns:mv="urn:schemas-microsoft-com:mac:vml" xmlns:c="http://schemas.openxmlformats.org/drawingml/2006/chart" xmlns:dgm="http://schemas.openxmlformats.org/drawingml/2006/diagram" xmlns:o="urn:schemas-microsoft-com:office:office" xmlns:v="urn:schemas-microsoft-com:vml" xmlns:pvml="urn:schemas-microsoft-com:office:powerpoint" xmlns:com="http://schemas.openxmlformats.org/drawingml/2006/compatibility" xmlns:p14="http://schemas.microsoft.com/office/powerpoint/2010/main" xmlns:p15="http://schemas.microsoft.com/office/powerpoint/2012/main" xmlns:ahyp="http://schemas.microsoft.com/office/drawing/2018/hyperlinkcolor" xmlns:go="http://customooxmlschemas.google.com/" r:id="rId28" roundtripDataSignature="AMtx7mgdJ7GPG39+sIuBD6XtJfm5jjWpBQ=="/>
+      <go:slidesCustomData xmlns:go="http://customooxmlschemas.google.com/" xmlns:ahyp="http://schemas.microsoft.com/office/drawing/2018/hyperlinkcolor" xmlns:p15="http://schemas.microsoft.com/office/powerpoint/2012/main" xmlns:p14="http://schemas.microsoft.com/office/powerpoint/2010/main" xmlns:com="http://schemas.openxmlformats.org/drawingml/2006/compatibility" xmlns:pvml="urn:schemas-microsoft-com:office:powerpoint" xmlns:v="urn:schemas-microsoft-com:vml" xmlns:o="urn:schemas-microsoft-com:office:office" xmlns:dgm="http://schemas.openxmlformats.org/drawingml/2006/diagram" xmlns:c="http://schemas.openxmlformats.org/drawingml/2006/chart" xmlns:mv="urn:schemas-microsoft-com:mac:vml" xmlns:mc="http://schemas.openxmlformats.org/markup-compatibility/2006" xmlns="" r:id="rId28" roundtripDataSignature="AMtx7mgdJ7GPG39+sIuBD6XtJfm5jjWpBQ=="/>
     </p:ext>
   </p:extLst>
 </p:presentation>
@@ -27165,6 +27166,731 @@
 </file>
 
 <file path=ppt/slides/slide10.xml><?xml version="1.0" encoding="utf-8"?>
+<p:sld xmlns:a="http://schemas.openxmlformats.org/drawingml/2006/main" xmlns:r="http://schemas.openxmlformats.org/officeDocument/2006/relationships" xmlns:p="http://schemas.openxmlformats.org/presentationml/2006/main">
+  <p:cSld>
+    <p:spTree>
+      <p:nvGrpSpPr>
+        <p:cNvPr id="1" name=""/>
+        <p:cNvGrpSpPr/>
+        <p:nvPr/>
+      </p:nvGrpSpPr>
+      <p:grpSpPr>
+        <a:xfrm>
+          <a:off x="0" y="0"/>
+          <a:ext cx="0" cy="0"/>
+          <a:chOff x="0" y="0"/>
+          <a:chExt cx="0" cy="0"/>
+        </a:xfrm>
+      </p:grpSpPr>
+      <p:sp>
+        <p:nvSpPr>
+          <p:cNvPr id="2" name="Заголовок 1">
+            <a:extLst>
+              <a:ext uri="{FF2B5EF4-FFF2-40B4-BE49-F238E27FC236}">
+                <a16:creationId xmlns:a16="http://schemas.microsoft.com/office/drawing/2014/main" id="{C4D0256A-EC67-4BF0-B147-107E0021A38B}"/>
+              </a:ext>
+            </a:extLst>
+          </p:cNvPr>
+          <p:cNvSpPr>
+            <a:spLocks noGrp="1"/>
+          </p:cNvSpPr>
+          <p:nvPr>
+            <p:ph type="ctrTitle"/>
+          </p:nvPr>
+        </p:nvSpPr>
+        <p:spPr/>
+        <p:txBody>
+          <a:bodyPr/>
+          <a:lstStyle/>
+          <a:p>
+            <a:r>
+              <a:rPr lang="en-US" dirty="0"/>
+              <a:t>Continuous delivery</a:t>
+            </a:r>
+            <a:endParaRPr lang="ru-RU" dirty="0"/>
+          </a:p>
+        </p:txBody>
+      </p:sp>
+      <p:sp>
+        <p:nvSpPr>
+          <p:cNvPr id="6" name="Текст 5">
+            <a:extLst>
+              <a:ext uri="{FF2B5EF4-FFF2-40B4-BE49-F238E27FC236}">
+                <a16:creationId xmlns:a16="http://schemas.microsoft.com/office/drawing/2014/main" id="{2109613B-283F-4324-B80E-C2A5BC949680}"/>
+              </a:ext>
+            </a:extLst>
+          </p:cNvPr>
+          <p:cNvSpPr>
+            <a:spLocks noGrp="1"/>
+          </p:cNvSpPr>
+          <p:nvPr>
+            <p:ph type="body" idx="4"/>
+          </p:nvPr>
+        </p:nvSpPr>
+        <p:spPr>
+          <a:xfrm>
+            <a:off x="620490" y="1379425"/>
+            <a:ext cx="9029348" cy="1085850"/>
+          </a:xfrm>
+        </p:spPr>
+        <p:txBody>
+          <a:bodyPr>
+            <a:normAutofit lnSpcReduction="10000"/>
+          </a:bodyPr>
+          <a:lstStyle/>
+          <a:p>
+            <a:r>
+              <a:rPr lang="ru-RU" dirty="0"/>
+              <a:t>Используется </a:t>
+            </a:r>
+            <a:r>
+              <a:rPr lang="en-US" dirty="0"/>
+              <a:t>GitHub runner self-hosted</a:t>
+            </a:r>
+          </a:p>
+          <a:p>
+            <a:r>
+              <a:rPr lang="ru-RU" dirty="0"/>
+              <a:t>Запускает сборку и доставку по событию </a:t>
+            </a:r>
+            <a:r>
+              <a:rPr lang="en-US" b="0" i="0" dirty="0" err="1">
+                <a:effectLst/>
+                <a:latin typeface="ui-monospace"/>
+              </a:rPr>
+              <a:t>workflow_dispatch</a:t>
+            </a:r>
+            <a:br>
+              <a:rPr lang="ru-RU" b="0" i="0" dirty="0">
+                <a:effectLst/>
+                <a:latin typeface="ui-monospace"/>
+              </a:rPr>
+            </a:br>
+            <a:r>
+              <a:rPr lang="ru-RU" dirty="0">
+                <a:latin typeface="ui-monospace"/>
+              </a:rPr>
+              <a:t>(</a:t>
+            </a:r>
+            <a:r>
+              <a:rPr lang="ru-RU" b="0" i="0" dirty="0" err="1">
+                <a:effectLst/>
+                <a:latin typeface="ui-monospace"/>
+              </a:rPr>
+              <a:t>нажитие</a:t>
+            </a:r>
+            <a:r>
+              <a:rPr lang="ru-RU" b="0" i="0" dirty="0">
+                <a:effectLst/>
+                <a:latin typeface="ui-monospace"/>
+              </a:rPr>
+              <a:t> кнопки в рабочем процессе)</a:t>
+            </a:r>
+            <a:r>
+              <a:rPr lang="ru-RU" dirty="0">
+                <a:solidFill>
+                  <a:srgbClr val="24292F"/>
+                </a:solidFill>
+                <a:latin typeface="ui-monospace"/>
+              </a:rPr>
+              <a:t> </a:t>
+            </a:r>
+            <a:endParaRPr lang="ru-RU" dirty="0"/>
+          </a:p>
+        </p:txBody>
+      </p:sp>
+      <p:sp>
+        <p:nvSpPr>
+          <p:cNvPr id="7" name="Номер слайда 6">
+            <a:extLst>
+              <a:ext uri="{FF2B5EF4-FFF2-40B4-BE49-F238E27FC236}">
+                <a16:creationId xmlns:a16="http://schemas.microsoft.com/office/drawing/2014/main" id="{2DC0A4AB-8028-4159-9C16-076387709E1B}"/>
+              </a:ext>
+            </a:extLst>
+          </p:cNvPr>
+          <p:cNvSpPr>
+            <a:spLocks noGrp="1"/>
+          </p:cNvSpPr>
+          <p:nvPr>
+            <p:ph type="sldNum" idx="12"/>
+          </p:nvPr>
+        </p:nvSpPr>
+        <p:spPr/>
+        <p:txBody>
+          <a:bodyPr/>
+          <a:lstStyle/>
+          <a:p>
+            <a:pPr marL="0" lvl="0" indent="0" algn="r" rtl="0">
+              <a:spcBef>
+                <a:spcPts val="0"/>
+              </a:spcBef>
+              <a:spcAft>
+                <a:spcPts val="0"/>
+              </a:spcAft>
+              <a:buNone/>
+            </a:pPr>
+            <a:endParaRPr lang="ru-RU"/>
+          </a:p>
+        </p:txBody>
+      </p:sp>
+      <p:pic>
+        <p:nvPicPr>
+          <p:cNvPr id="1026" name="Picture 2">
+            <a:extLst>
+              <a:ext uri="{FF2B5EF4-FFF2-40B4-BE49-F238E27FC236}">
+                <a16:creationId xmlns:a16="http://schemas.microsoft.com/office/drawing/2014/main" id="{8D127A7C-1344-451E-95DA-362F3771B92E}"/>
+              </a:ext>
+            </a:extLst>
+          </p:cNvPr>
+          <p:cNvPicPr>
+            <a:picLocks noChangeAspect="1" noChangeArrowheads="1"/>
+          </p:cNvPicPr>
+          <p:nvPr/>
+        </p:nvPicPr>
+        <p:blipFill>
+          <a:blip r:embed="rId2">
+            <a:extLst>
+              <a:ext uri="{28A0092B-C50C-407E-A947-70E740481C1C}">
+                <a14:useLocalDpi xmlns:a14="http://schemas.microsoft.com/office/drawing/2010/main" val="0"/>
+              </a:ext>
+            </a:extLst>
+          </a:blip>
+          <a:srcRect/>
+          <a:stretch>
+            <a:fillRect/>
+          </a:stretch>
+        </p:blipFill>
+        <p:spPr bwMode="auto">
+          <a:xfrm>
+            <a:off x="8391442" y="3839992"/>
+            <a:ext cx="1716578" cy="2389052"/>
+          </a:xfrm>
+          <a:prstGeom prst="rect">
+            <a:avLst/>
+          </a:prstGeom>
+          <a:noFill/>
+          <a:extLst>
+            <a:ext uri="{909E8E84-426E-40DD-AFC4-6F175D3DCCD1}">
+              <a14:hiddenFill xmlns:a14="http://schemas.microsoft.com/office/drawing/2010/main">
+                <a:solidFill>
+                  <a:srgbClr val="FFFFFF"/>
+                </a:solidFill>
+              </a14:hiddenFill>
+            </a:ext>
+          </a:extLst>
+        </p:spPr>
+      </p:pic>
+      <p:pic>
+        <p:nvPicPr>
+          <p:cNvPr id="11" name="Picture 2">
+            <a:extLst>
+              <a:ext uri="{FF2B5EF4-FFF2-40B4-BE49-F238E27FC236}">
+                <a16:creationId xmlns:a16="http://schemas.microsoft.com/office/drawing/2014/main" id="{47F86BB6-8B2F-4BA1-B0AA-0D2FA6958D1B}"/>
+              </a:ext>
+            </a:extLst>
+          </p:cNvPr>
+          <p:cNvPicPr>
+            <a:picLocks noChangeAspect="1" noChangeArrowheads="1"/>
+          </p:cNvPicPr>
+          <p:nvPr/>
+        </p:nvPicPr>
+        <p:blipFill>
+          <a:blip r:embed="rId2">
+            <a:extLst>
+              <a:ext uri="{28A0092B-C50C-407E-A947-70E740481C1C}">
+                <a14:useLocalDpi xmlns:a14="http://schemas.microsoft.com/office/drawing/2010/main" val="0"/>
+              </a:ext>
+            </a:extLst>
+          </a:blip>
+          <a:srcRect/>
+          <a:stretch>
+            <a:fillRect/>
+          </a:stretch>
+        </p:blipFill>
+        <p:spPr bwMode="auto">
+          <a:xfrm>
+            <a:off x="4905395" y="3839992"/>
+            <a:ext cx="1716578" cy="2389052"/>
+          </a:xfrm>
+          <a:prstGeom prst="rect">
+            <a:avLst/>
+          </a:prstGeom>
+          <a:noFill/>
+          <a:extLst>
+            <a:ext uri="{909E8E84-426E-40DD-AFC4-6F175D3DCCD1}">
+              <a14:hiddenFill xmlns:a14="http://schemas.microsoft.com/office/drawing/2010/main">
+                <a:solidFill>
+                  <a:srgbClr val="FFFFFF"/>
+                </a:solidFill>
+              </a14:hiddenFill>
+            </a:ext>
+          </a:extLst>
+        </p:spPr>
+      </p:pic>
+      <p:pic>
+        <p:nvPicPr>
+          <p:cNvPr id="10" name="Рисунок 9">
+            <a:extLst>
+              <a:ext uri="{FF2B5EF4-FFF2-40B4-BE49-F238E27FC236}">
+                <a16:creationId xmlns:a16="http://schemas.microsoft.com/office/drawing/2014/main" id="{029B4D0B-52A7-46B6-AD74-B00A1B8069BB}"/>
+              </a:ext>
+            </a:extLst>
+          </p:cNvPr>
+          <p:cNvPicPr>
+            <a:picLocks noChangeAspect="1"/>
+          </p:cNvPicPr>
+          <p:nvPr/>
+        </p:nvPicPr>
+        <p:blipFill>
+          <a:blip r:embed="rId3"/>
+          <a:stretch>
+            <a:fillRect/>
+          </a:stretch>
+        </p:blipFill>
+        <p:spPr>
+          <a:xfrm>
+            <a:off x="1139298" y="4100644"/>
+            <a:ext cx="1971950" cy="1941612"/>
+          </a:xfrm>
+          <a:prstGeom prst="rect">
+            <a:avLst/>
+          </a:prstGeom>
+        </p:spPr>
+      </p:pic>
+      <p:pic>
+        <p:nvPicPr>
+          <p:cNvPr id="12" name="Рисунок 11">
+            <a:extLst>
+              <a:ext uri="{FF2B5EF4-FFF2-40B4-BE49-F238E27FC236}">
+                <a16:creationId xmlns:a16="http://schemas.microsoft.com/office/drawing/2014/main" id="{DB7E58E2-8E44-4178-A89D-D2A014900FA7}"/>
+              </a:ext>
+            </a:extLst>
+          </p:cNvPr>
+          <p:cNvPicPr>
+            <a:picLocks noChangeAspect="1"/>
+          </p:cNvPicPr>
+          <p:nvPr/>
+        </p:nvPicPr>
+        <p:blipFill>
+          <a:blip r:embed="rId4"/>
+          <a:stretch>
+            <a:fillRect/>
+          </a:stretch>
+        </p:blipFill>
+        <p:spPr>
+          <a:xfrm>
+            <a:off x="9024939" y="3777755"/>
+            <a:ext cx="1420491" cy="1219306"/>
+          </a:xfrm>
+          <a:prstGeom prst="rect">
+            <a:avLst/>
+          </a:prstGeom>
+        </p:spPr>
+      </p:pic>
+      <p:pic>
+        <p:nvPicPr>
+          <p:cNvPr id="13" name="Рисунок 12">
+            <a:extLst>
+              <a:ext uri="{FF2B5EF4-FFF2-40B4-BE49-F238E27FC236}">
+                <a16:creationId xmlns:a16="http://schemas.microsoft.com/office/drawing/2014/main" id="{AACF0CD8-EA10-4E87-8EF5-DF10EDBEEE98}"/>
+              </a:ext>
+            </a:extLst>
+          </p:cNvPr>
+          <p:cNvPicPr>
+            <a:picLocks noChangeAspect="1"/>
+          </p:cNvPicPr>
+          <p:nvPr/>
+        </p:nvPicPr>
+        <p:blipFill>
+          <a:blip r:embed="rId4"/>
+          <a:stretch>
+            <a:fillRect/>
+          </a:stretch>
+        </p:blipFill>
+        <p:spPr>
+          <a:xfrm>
+            <a:off x="9010799" y="4418358"/>
+            <a:ext cx="1420491" cy="1219306"/>
+          </a:xfrm>
+          <a:prstGeom prst="rect">
+            <a:avLst/>
+          </a:prstGeom>
+        </p:spPr>
+      </p:pic>
+      <p:pic>
+        <p:nvPicPr>
+          <p:cNvPr id="14" name="Рисунок 13">
+            <a:extLst>
+              <a:ext uri="{FF2B5EF4-FFF2-40B4-BE49-F238E27FC236}">
+                <a16:creationId xmlns:a16="http://schemas.microsoft.com/office/drawing/2014/main" id="{961AC080-2C3F-46E0-8112-398EDA90CF1A}"/>
+              </a:ext>
+            </a:extLst>
+          </p:cNvPr>
+          <p:cNvPicPr>
+            <a:picLocks noChangeAspect="1"/>
+          </p:cNvPicPr>
+          <p:nvPr/>
+        </p:nvPicPr>
+        <p:blipFill>
+          <a:blip r:embed="rId4"/>
+          <a:stretch>
+            <a:fillRect/>
+          </a:stretch>
+        </p:blipFill>
+        <p:spPr>
+          <a:xfrm>
+            <a:off x="8996659" y="5035636"/>
+            <a:ext cx="1420491" cy="1219306"/>
+          </a:xfrm>
+          <a:prstGeom prst="rect">
+            <a:avLst/>
+          </a:prstGeom>
+        </p:spPr>
+      </p:pic>
+      <p:pic>
+        <p:nvPicPr>
+          <p:cNvPr id="15" name="Рисунок 14">
+            <a:extLst>
+              <a:ext uri="{FF2B5EF4-FFF2-40B4-BE49-F238E27FC236}">
+                <a16:creationId xmlns:a16="http://schemas.microsoft.com/office/drawing/2014/main" id="{FDA3CD09-6E54-46A0-B864-41B141A3DFF6}"/>
+              </a:ext>
+            </a:extLst>
+          </p:cNvPr>
+          <p:cNvPicPr>
+            <a:picLocks noChangeAspect="1"/>
+          </p:cNvPicPr>
+          <p:nvPr/>
+        </p:nvPicPr>
+        <p:blipFill>
+          <a:blip r:embed="rId5">
+            <a:extLst>
+              <a:ext uri="{BEBA8EAE-BF5A-486C-A8C5-ECC9F3942E4B}">
+                <a14:imgProps xmlns:a14="http://schemas.microsoft.com/office/drawing/2010/main">
+                  <a14:imgLayer r:embed="rId6">
+                    <a14:imgEffect>
+                      <a14:backgroundRemoval t="2813" b="96563" l="2500" r="96875">
+                        <a14:foregroundMark x1="10000" y1="58438" x2="56563" y2="12500"/>
+                        <a14:foregroundMark x1="56563" y1="12500" x2="94688" y2="64688"/>
+                        <a14:foregroundMark x1="94688" y1="64688" x2="24375" y2="81250"/>
+                        <a14:foregroundMark x1="24375" y1="81250" x2="55625" y2="30625"/>
+                        <a14:foregroundMark x1="55625" y1="30625" x2="58750" y2="28750"/>
+                        <a14:foregroundMark x1="21563" y1="12188" x2="35625" y2="5000"/>
+                        <a14:foregroundMark x1="35625" y1="5000" x2="52812" y2="2500"/>
+                        <a14:foregroundMark x1="52812" y1="2500" x2="70000" y2="6563"/>
+                        <a14:foregroundMark x1="70000" y1="6563" x2="77813" y2="11563"/>
+                        <a14:foregroundMark x1="59375" y1="2813" x2="35313" y2="3125"/>
+                        <a14:foregroundMark x1="51250" y1="23438" x2="30938" y2="64688"/>
+                        <a14:foregroundMark x1="52500" y1="30000" x2="64688" y2="66875"/>
+                        <a14:foregroundMark x1="64688" y1="66875" x2="56563" y2="40000"/>
+                        <a14:foregroundMark x1="56563" y1="40000" x2="71563" y2="73438"/>
+                        <a14:foregroundMark x1="71563" y1="73438" x2="50625" y2="53750"/>
+                        <a14:foregroundMark x1="50625" y1="53750" x2="68125" y2="68125"/>
+                        <a14:foregroundMark x1="6563" y1="28750" x2="2500" y2="43438"/>
+                        <a14:foregroundMark x1="2500" y1="43438" x2="2813" y2="59688"/>
+                        <a14:foregroundMark x1="2813" y1="59688" x2="8750" y2="73750"/>
+                        <a14:foregroundMark x1="8750" y1="73750" x2="9688" y2="74688"/>
+                        <a14:foregroundMark x1="21875" y1="89063" x2="45313" y2="95625"/>
+                        <a14:foregroundMark x1="45313" y1="95625" x2="64063" y2="95625"/>
+                        <a14:foregroundMark x1="64063" y1="95625" x2="77188" y2="89375"/>
+                        <a14:foregroundMark x1="77188" y1="89375" x2="77813" y2="88125"/>
+                        <a14:foregroundMark x1="7813" y1="61250" x2="5313" y2="45000"/>
+                        <a14:foregroundMark x1="5313" y1="45000" x2="9375" y2="37188"/>
+                        <a14:foregroundMark x1="2500" y1="43750" x2="3125" y2="56250"/>
+                        <a14:foregroundMark x1="96875" y1="46875" x2="96250" y2="54063"/>
+                        <a14:foregroundMark x1="53750" y1="96563" x2="45000" y2="94375"/>
+                      </a14:backgroundRemoval>
+                    </a14:imgEffect>
+                  </a14:imgLayer>
+                </a14:imgProps>
+              </a:ext>
+            </a:extLst>
+          </a:blip>
+          <a:stretch>
+            <a:fillRect/>
+          </a:stretch>
+        </p:blipFill>
+        <p:spPr>
+          <a:xfrm>
+            <a:off x="5764695" y="4026930"/>
+            <a:ext cx="559683" cy="559683"/>
+          </a:xfrm>
+          <a:prstGeom prst="rect">
+            <a:avLst/>
+          </a:prstGeom>
+        </p:spPr>
+      </p:pic>
+      <p:pic>
+        <p:nvPicPr>
+          <p:cNvPr id="16" name="Рисунок 15">
+            <a:extLst>
+              <a:ext uri="{FF2B5EF4-FFF2-40B4-BE49-F238E27FC236}">
+                <a16:creationId xmlns:a16="http://schemas.microsoft.com/office/drawing/2014/main" id="{25519D89-59EE-4C77-B593-E914F2E1F900}"/>
+              </a:ext>
+            </a:extLst>
+          </p:cNvPr>
+          <p:cNvPicPr>
+            <a:picLocks noChangeAspect="1"/>
+          </p:cNvPicPr>
+          <p:nvPr/>
+        </p:nvPicPr>
+        <p:blipFill>
+          <a:blip r:embed="rId7">
+            <a:extLst>
+              <a:ext uri="{BEBA8EAE-BF5A-486C-A8C5-ECC9F3942E4B}">
+                <a14:imgProps xmlns:a14="http://schemas.microsoft.com/office/drawing/2010/main">
+                  <a14:imgLayer r:embed="rId8">
+                    <a14:imgEffect>
+                      <a14:backgroundRemoval t="1250" b="98750" l="1778" r="96444">
+                        <a14:foregroundMark x1="52444" y1="66563" x2="49778" y2="68125"/>
+                        <a14:foregroundMark x1="7556" y1="93125" x2="7556" y2="93125"/>
+                        <a14:foregroundMark x1="3111" y1="96250" x2="1778" y2="98750"/>
+                        <a14:foregroundMark x1="7556" y1="94063" x2="8889" y2="92813"/>
+                        <a14:foregroundMark x1="7556" y1="92188" x2="7556" y2="93438"/>
+                        <a14:foregroundMark x1="86222" y1="59688" x2="96000" y2="67813"/>
+                        <a14:foregroundMark x1="96000" y1="67813" x2="96000" y2="67813"/>
+                        <a14:foregroundMark x1="74222" y1="35938" x2="87556" y2="33125"/>
+                        <a14:foregroundMark x1="58222" y1="16250" x2="41333" y2="18125"/>
+                        <a14:foregroundMark x1="70222" y1="17188" x2="70222" y2="17188"/>
+                        <a14:foregroundMark x1="77333" y1="15937" x2="77333" y2="15937"/>
+                        <a14:foregroundMark x1="76000" y1="17188" x2="76000" y2="17188"/>
+                        <a14:foregroundMark x1="75111" y1="17188" x2="73333" y2="16563"/>
+                        <a14:foregroundMark x1="63556" y1="10938" x2="63556" y2="10938"/>
+                        <a14:foregroundMark x1="59111" y1="4688" x2="59111" y2="4688"/>
+                        <a14:foregroundMark x1="44889" y1="8438" x2="44889" y2="8438"/>
+                        <a14:foregroundMark x1="44000" y1="8438" x2="39111" y2="7500"/>
+                        <a14:foregroundMark x1="72889" y1="1250" x2="72889" y2="1250"/>
+                        <a14:foregroundMark x1="81333" y1="10938" x2="81333" y2="10938"/>
+                        <a14:foregroundMark x1="80000" y1="12188" x2="80000" y2="12188"/>
+                        <a14:foregroundMark x1="62222" y1="9063" x2="62222" y2="9063"/>
+                        <a14:foregroundMark x1="61778" y1="6563" x2="61778" y2="6563"/>
+                        <a14:foregroundMark x1="64000" y1="2188" x2="64000" y2="2188"/>
+                        <a14:foregroundMark x1="64444" y1="1563" x2="64444" y2="1563"/>
+                        <a14:foregroundMark x1="61778" y1="5313" x2="61778" y2="5313"/>
+                        <a14:foregroundMark x1="74222" y1="84375" x2="74222" y2="84375"/>
+                        <a14:foregroundMark x1="71556" y1="85313" x2="68444" y2="87813"/>
+                        <a14:foregroundMark x1="73778" y1="84063" x2="71556" y2="85625"/>
+                        <a14:foregroundMark x1="76444" y1="82813" x2="72889" y2="84688"/>
+                        <a14:foregroundMark x1="75111" y1="84063" x2="73778" y2="85000"/>
+                        <a14:foregroundMark x1="76444" y1="82500" x2="74667" y2="84375"/>
+                        <a14:foregroundMark x1="76000" y1="83125" x2="73778" y2="84063"/>
+                        <a14:foregroundMark x1="24444" y1="37188" x2="23111" y2="41563"/>
+                        <a14:foregroundMark x1="93333" y1="27500" x2="96444" y2="23438"/>
+                      </a14:backgroundRemoval>
+                    </a14:imgEffect>
+                  </a14:imgLayer>
+                </a14:imgProps>
+              </a:ext>
+            </a:extLst>
+          </a:blip>
+          <a:stretch>
+            <a:fillRect/>
+          </a:stretch>
+        </p:blipFill>
+        <p:spPr>
+          <a:xfrm>
+            <a:off x="5776056" y="4726788"/>
+            <a:ext cx="676415" cy="962012"/>
+          </a:xfrm>
+          <a:prstGeom prst="rect">
+            <a:avLst/>
+          </a:prstGeom>
+        </p:spPr>
+      </p:pic>
+      <p:pic>
+        <p:nvPicPr>
+          <p:cNvPr id="18" name="Рисунок 17">
+            <a:extLst>
+              <a:ext uri="{FF2B5EF4-FFF2-40B4-BE49-F238E27FC236}">
+                <a16:creationId xmlns:a16="http://schemas.microsoft.com/office/drawing/2014/main" id="{8FEC190F-6495-4092-BD95-15D62D2635D9}"/>
+              </a:ext>
+            </a:extLst>
+          </p:cNvPr>
+          <p:cNvPicPr>
+            <a:picLocks noChangeAspect="1"/>
+          </p:cNvPicPr>
+          <p:nvPr/>
+        </p:nvPicPr>
+        <p:blipFill>
+          <a:blip r:embed="rId9">
+            <a:extLst>
+              <a:ext uri="{BEBA8EAE-BF5A-486C-A8C5-ECC9F3942E4B}">
+                <a14:imgProps xmlns:a14="http://schemas.microsoft.com/office/drawing/2010/main">
+                  <a14:imgLayer r:embed="rId10">
+                    <a14:imgEffect>
+                      <a14:backgroundRemoval t="10000" b="90000" l="8929" r="92857">
+                        <a14:foregroundMark x1="10714" y1="40000" x2="22321" y2="27500"/>
+                        <a14:foregroundMark x1="22321" y1="27500" x2="83036" y2="27500"/>
+                        <a14:foregroundMark x1="83036" y1="27500" x2="89286" y2="62500"/>
+                        <a14:foregroundMark x1="89286" y1="62500" x2="71429" y2="75000"/>
+                        <a14:foregroundMark x1="71429" y1="75000" x2="16964" y2="72500"/>
+                        <a14:foregroundMark x1="16964" y1="72500" x2="8929" y2="47500"/>
+                        <a14:foregroundMark x1="8929" y1="47500" x2="25000" y2="42500"/>
+                        <a14:foregroundMark x1="25000" y1="42500" x2="36607" y2="60000"/>
+                        <a14:foregroundMark x1="36607" y1="60000" x2="11607" y2="57500"/>
+                        <a14:foregroundMark x1="11607" y1="57500" x2="20536" y2="52500"/>
+                        <a14:foregroundMark x1="20536" y1="52500" x2="66964" y2="55000"/>
+                        <a14:foregroundMark x1="66964" y1="55000" x2="81250" y2="52500"/>
+                        <a14:foregroundMark x1="91964" y1="22500" x2="92857" y2="80000"/>
+                        <a14:foregroundMark x1="92857" y1="80000" x2="92857" y2="80000"/>
+                      </a14:backgroundRemoval>
+                    </a14:imgEffect>
+                  </a14:imgLayer>
+                </a14:imgProps>
+              </a:ext>
+            </a:extLst>
+          </a:blip>
+          <a:stretch>
+            <a:fillRect/>
+          </a:stretch>
+        </p:blipFill>
+        <p:spPr>
+          <a:xfrm>
+            <a:off x="2576981" y="3237401"/>
+            <a:ext cx="1246837" cy="445299"/>
+          </a:xfrm>
+          <a:prstGeom prst="rect">
+            <a:avLst/>
+          </a:prstGeom>
+        </p:spPr>
+      </p:pic>
+      <p:cxnSp>
+        <p:nvCxnSpPr>
+          <p:cNvPr id="26" name="Прямая со стрелкой 25">
+            <a:extLst>
+              <a:ext uri="{FF2B5EF4-FFF2-40B4-BE49-F238E27FC236}">
+                <a16:creationId xmlns:a16="http://schemas.microsoft.com/office/drawing/2014/main" id="{9C4451EF-7AAC-4C81-9D25-2A26CE7F6DC4}"/>
+              </a:ext>
+            </a:extLst>
+          </p:cNvPr>
+          <p:cNvCxnSpPr>
+            <a:cxnSpLocks/>
+            <a:stCxn id="10" idx="3"/>
+          </p:cNvCxnSpPr>
+          <p:nvPr/>
+        </p:nvCxnSpPr>
+        <p:spPr>
+          <a:xfrm flipV="1">
+            <a:off x="3111248" y="5064369"/>
+            <a:ext cx="1805758" cy="7081"/>
+          </a:xfrm>
+          <a:prstGeom prst="straightConnector1">
+            <a:avLst/>
+          </a:prstGeom>
+          <a:ln>
+            <a:headEnd type="triangle"/>
+            <a:tailEnd type="triangle"/>
+          </a:ln>
+        </p:spPr>
+        <p:style>
+          <a:lnRef idx="3">
+            <a:schemeClr val="dk1"/>
+          </a:lnRef>
+          <a:fillRef idx="0">
+            <a:schemeClr val="dk1"/>
+          </a:fillRef>
+          <a:effectRef idx="2">
+            <a:schemeClr val="dk1"/>
+          </a:effectRef>
+          <a:fontRef idx="minor">
+            <a:schemeClr val="tx1"/>
+          </a:fontRef>
+        </p:style>
+      </p:cxnSp>
+      <p:cxnSp>
+        <p:nvCxnSpPr>
+          <p:cNvPr id="32" name="Прямая со стрелкой 31">
+            <a:extLst>
+              <a:ext uri="{FF2B5EF4-FFF2-40B4-BE49-F238E27FC236}">
+                <a16:creationId xmlns:a16="http://schemas.microsoft.com/office/drawing/2014/main" id="{0A74EFCF-277B-47C2-901C-15B2F473FB81}"/>
+              </a:ext>
+            </a:extLst>
+          </p:cNvPr>
+          <p:cNvCxnSpPr/>
+          <p:nvPr/>
+        </p:nvCxnSpPr>
+        <p:spPr>
+          <a:xfrm>
+            <a:off x="3200400" y="3616821"/>
+            <a:ext cx="0" cy="1379903"/>
+          </a:xfrm>
+          <a:prstGeom prst="straightConnector1">
+            <a:avLst/>
+          </a:prstGeom>
+          <a:ln>
+            <a:tailEnd type="triangle"/>
+          </a:ln>
+        </p:spPr>
+        <p:style>
+          <a:lnRef idx="3">
+            <a:schemeClr val="dk1"/>
+          </a:lnRef>
+          <a:fillRef idx="0">
+            <a:schemeClr val="dk1"/>
+          </a:fillRef>
+          <a:effectRef idx="2">
+            <a:schemeClr val="dk1"/>
+          </a:effectRef>
+          <a:fontRef idx="minor">
+            <a:schemeClr val="tx1"/>
+          </a:fontRef>
+        </p:style>
+      </p:cxnSp>
+      <p:cxnSp>
+        <p:nvCxnSpPr>
+          <p:cNvPr id="34" name="Прямая со стрелкой 33">
+            <a:extLst>
+              <a:ext uri="{FF2B5EF4-FFF2-40B4-BE49-F238E27FC236}">
+                <a16:creationId xmlns:a16="http://schemas.microsoft.com/office/drawing/2014/main" id="{524EA50C-290C-47C6-9220-AA7EBEB3E86D}"/>
+              </a:ext>
+            </a:extLst>
+          </p:cNvPr>
+          <p:cNvCxnSpPr>
+            <a:cxnSpLocks/>
+          </p:cNvCxnSpPr>
+          <p:nvPr/>
+        </p:nvCxnSpPr>
+        <p:spPr>
+          <a:xfrm flipV="1">
+            <a:off x="6585684" y="5042517"/>
+            <a:ext cx="1805758" cy="7081"/>
+          </a:xfrm>
+          <a:prstGeom prst="straightConnector1">
+            <a:avLst/>
+          </a:prstGeom>
+          <a:ln>
+            <a:headEnd type="triangle"/>
+            <a:tailEnd type="triangle"/>
+          </a:ln>
+        </p:spPr>
+        <p:style>
+          <a:lnRef idx="3">
+            <a:schemeClr val="dk1"/>
+          </a:lnRef>
+          <a:fillRef idx="0">
+            <a:schemeClr val="dk1"/>
+          </a:fillRef>
+          <a:effectRef idx="2">
+            <a:schemeClr val="dk1"/>
+          </a:effectRef>
+          <a:fontRef idx="minor">
+            <a:schemeClr val="tx1"/>
+          </a:fontRef>
+        </p:style>
+      </p:cxnSp>
+    </p:spTree>
+    <p:extLst>
+      <p:ext uri="{BB962C8B-B14F-4D97-AF65-F5344CB8AC3E}">
+        <p14:creationId xmlns:p14="http://schemas.microsoft.com/office/powerpoint/2010/main" val="1836996587"/>
+      </p:ext>
+    </p:extLst>
+  </p:cSld>
+  <p:clrMapOvr>
+    <a:masterClrMapping/>
+  </p:clrMapOvr>
+</p:sld>
+</file>
+
+<file path=ppt/slides/slide11.xml><?xml version="1.0" encoding="utf-8"?>
 <p:sld xmlns:a="http://schemas.openxmlformats.org/drawingml/2006/main" xmlns:r="http://schemas.openxmlformats.org/officeDocument/2006/relationships" xmlns:p="http://schemas.openxmlformats.org/presentationml/2006/main" showMasterSp="0">
   <p:cSld>
     <p:bg>
@@ -28785,7 +29511,7 @@
         </p:nvSpPr>
         <p:spPr>
           <a:xfrm>
-            <a:off x="2875645" y="2364944"/>
+            <a:off x="2500891" y="2746205"/>
             <a:ext cx="6440710" cy="3263695"/>
           </a:xfrm>
         </p:spPr>
@@ -28855,6 +29581,156 @@
 </file>
 
 <file path=ppt/slides/slide6.xml><?xml version="1.0" encoding="utf-8"?>
+<p:sld xmlns:a="http://schemas.openxmlformats.org/drawingml/2006/main" xmlns:r="http://schemas.openxmlformats.org/officeDocument/2006/relationships" xmlns:p="http://schemas.openxmlformats.org/presentationml/2006/main">
+  <p:cSld>
+    <p:spTree>
+      <p:nvGrpSpPr>
+        <p:cNvPr id="1" name=""/>
+        <p:cNvGrpSpPr/>
+        <p:nvPr/>
+      </p:nvGrpSpPr>
+      <p:grpSpPr>
+        <a:xfrm>
+          <a:off x="0" y="0"/>
+          <a:ext cx="0" cy="0"/>
+          <a:chOff x="0" y="0"/>
+          <a:chExt cx="0" cy="0"/>
+        </a:xfrm>
+      </p:grpSpPr>
+      <p:pic>
+        <p:nvPicPr>
+          <p:cNvPr id="8" name="Рисунок 7">
+            <a:extLst>
+              <a:ext uri="{FF2B5EF4-FFF2-40B4-BE49-F238E27FC236}">
+                <a16:creationId xmlns:a16="http://schemas.microsoft.com/office/drawing/2014/main" id="{EEF92B17-F412-462E-B699-C64DA54A2436}"/>
+              </a:ext>
+            </a:extLst>
+          </p:cNvPr>
+          <p:cNvPicPr>
+            <a:picLocks noChangeAspect="1"/>
+          </p:cNvPicPr>
+          <p:nvPr/>
+        </p:nvPicPr>
+        <p:blipFill>
+          <a:blip r:embed="rId2"/>
+          <a:stretch>
+            <a:fillRect/>
+          </a:stretch>
+        </p:blipFill>
+        <p:spPr>
+          <a:xfrm>
+            <a:off x="538467" y="296256"/>
+            <a:ext cx="3924848" cy="3972479"/>
+          </a:xfrm>
+          <a:prstGeom prst="rect">
+            <a:avLst/>
+          </a:prstGeom>
+          <a:ln>
+            <a:noFill/>
+          </a:ln>
+          <a:effectLst>
+            <a:outerShdw blurRad="292100" dist="139700" dir="2700000" algn="tl" rotWithShape="0">
+              <a:srgbClr val="333333">
+                <a:alpha val="65000"/>
+              </a:srgbClr>
+            </a:outerShdw>
+          </a:effectLst>
+        </p:spPr>
+      </p:pic>
+      <p:pic>
+        <p:nvPicPr>
+          <p:cNvPr id="9" name="Рисунок 8">
+            <a:extLst>
+              <a:ext uri="{FF2B5EF4-FFF2-40B4-BE49-F238E27FC236}">
+                <a16:creationId xmlns:a16="http://schemas.microsoft.com/office/drawing/2014/main" id="{A1BC4721-D124-46C2-8200-1ED15C9EA538}"/>
+              </a:ext>
+            </a:extLst>
+          </p:cNvPr>
+          <p:cNvPicPr>
+            <a:picLocks noChangeAspect="1"/>
+          </p:cNvPicPr>
+          <p:nvPr/>
+        </p:nvPicPr>
+        <p:blipFill>
+          <a:blip r:embed="rId3"/>
+          <a:stretch>
+            <a:fillRect/>
+          </a:stretch>
+        </p:blipFill>
+        <p:spPr>
+          <a:xfrm>
+            <a:off x="4971738" y="2806166"/>
+            <a:ext cx="6173749" cy="3580511"/>
+          </a:xfrm>
+          <a:prstGeom prst="rect">
+            <a:avLst/>
+          </a:prstGeom>
+          <a:ln>
+            <a:noFill/>
+          </a:ln>
+          <a:effectLst>
+            <a:outerShdw blurRad="292100" dist="139700" dir="2700000" algn="tl" rotWithShape="0">
+              <a:srgbClr val="333333">
+                <a:alpha val="65000"/>
+              </a:srgbClr>
+            </a:outerShdw>
+          </a:effectLst>
+        </p:spPr>
+      </p:pic>
+      <p:pic>
+        <p:nvPicPr>
+          <p:cNvPr id="10" name="Рисунок 9">
+            <a:extLst>
+              <a:ext uri="{FF2B5EF4-FFF2-40B4-BE49-F238E27FC236}">
+                <a16:creationId xmlns:a16="http://schemas.microsoft.com/office/drawing/2014/main" id="{CE0C4486-8B08-4C4D-BD1D-59C4779C1D5B}"/>
+              </a:ext>
+            </a:extLst>
+          </p:cNvPr>
+          <p:cNvPicPr>
+            <a:picLocks noChangeAspect="1"/>
+          </p:cNvPicPr>
+          <p:nvPr/>
+        </p:nvPicPr>
+        <p:blipFill>
+          <a:blip r:embed="rId4"/>
+          <a:stretch>
+            <a:fillRect/>
+          </a:stretch>
+        </p:blipFill>
+        <p:spPr>
+          <a:xfrm>
+            <a:off x="6469513" y="262913"/>
+            <a:ext cx="3924848" cy="2019582"/>
+          </a:xfrm>
+          <a:prstGeom prst="rect">
+            <a:avLst/>
+          </a:prstGeom>
+          <a:ln>
+            <a:noFill/>
+          </a:ln>
+          <a:effectLst>
+            <a:outerShdw blurRad="292100" dist="139700" dir="2700000" algn="tl" rotWithShape="0">
+              <a:srgbClr val="333333">
+                <a:alpha val="65000"/>
+              </a:srgbClr>
+            </a:outerShdw>
+          </a:effectLst>
+        </p:spPr>
+      </p:pic>
+    </p:spTree>
+    <p:extLst>
+      <p:ext uri="{BB962C8B-B14F-4D97-AF65-F5344CB8AC3E}">
+        <p14:creationId xmlns:p14="http://schemas.microsoft.com/office/powerpoint/2010/main" val="2293354485"/>
+      </p:ext>
+    </p:extLst>
+  </p:cSld>
+  <p:clrMapOvr>
+    <a:masterClrMapping/>
+  </p:clrMapOvr>
+</p:sld>
+</file>
+
+<file path=ppt/slides/slide7.xml><?xml version="1.0" encoding="utf-8"?>
 <p:sld xmlns:a="http://schemas.openxmlformats.org/drawingml/2006/main" xmlns:r="http://schemas.openxmlformats.org/officeDocument/2006/relationships" xmlns:p="http://schemas.openxmlformats.org/presentationml/2006/main">
   <p:cSld>
     <p:spTree>
@@ -29339,7 +30215,7 @@
 </p:sld>
 </file>
 
-<file path=ppt/slides/slide7.xml><?xml version="1.0" encoding="utf-8"?>
+<file path=ppt/slides/slide8.xml><?xml version="1.0" encoding="utf-8"?>
 <p:sld xmlns:a="http://schemas.openxmlformats.org/drawingml/2006/main" xmlns:r="http://schemas.openxmlformats.org/officeDocument/2006/relationships" xmlns:p="http://schemas.openxmlformats.org/presentationml/2006/main">
   <p:cSld>
     <p:spTree>
@@ -29394,40 +30270,6 @@
               <a:t>Docker</a:t>
             </a:r>
             <a:endParaRPr lang="ru-RU" dirty="0"/>
-          </a:p>
-        </p:txBody>
-      </p:sp>
-      <p:sp>
-        <p:nvSpPr>
-          <p:cNvPr id="7" name="Номер слайда 6">
-            <a:extLst>
-              <a:ext uri="{FF2B5EF4-FFF2-40B4-BE49-F238E27FC236}">
-                <a16:creationId xmlns:a16="http://schemas.microsoft.com/office/drawing/2014/main" id="{F248C56D-5AFB-4C63-B0BC-E2474A1C93A9}"/>
-              </a:ext>
-            </a:extLst>
-          </p:cNvPr>
-          <p:cNvSpPr>
-            <a:spLocks noGrp="1"/>
-          </p:cNvSpPr>
-          <p:nvPr>
-            <p:ph type="sldNum" idx="12"/>
-          </p:nvPr>
-        </p:nvSpPr>
-        <p:spPr/>
-        <p:txBody>
-          <a:bodyPr/>
-          <a:lstStyle/>
-          <a:p>
-            <a:pPr marL="0" lvl="0" indent="0" algn="r" rtl="0">
-              <a:spcBef>
-                <a:spcPts val="0"/>
-              </a:spcBef>
-              <a:spcAft>
-                <a:spcPts val="0"/>
-              </a:spcAft>
-              <a:buNone/>
-            </a:pPr>
-            <a:endParaRPr lang="ru-RU"/>
           </a:p>
         </p:txBody>
       </p:sp>
@@ -30012,7 +30854,7 @@
 </p:sld>
 </file>
 
-<file path=ppt/slides/slide8.xml><?xml version="1.0" encoding="utf-8"?>
+<file path=ppt/slides/slide9.xml><?xml version="1.0" encoding="utf-8"?>
 <p:sld xmlns:a="http://schemas.openxmlformats.org/drawingml/2006/main" xmlns:r="http://schemas.openxmlformats.org/officeDocument/2006/relationships" xmlns:p="http://schemas.openxmlformats.org/presentationml/2006/main">
   <p:cSld>
     <p:spTree>
@@ -30786,204 +31628,6 @@
 </p:sld>
 </file>
 
-<file path=ppt/slides/slide9.xml><?xml version="1.0" encoding="utf-8"?>
-<p:sld xmlns:a="http://schemas.openxmlformats.org/drawingml/2006/main" xmlns:r="http://schemas.openxmlformats.org/officeDocument/2006/relationships" xmlns:p="http://schemas.openxmlformats.org/presentationml/2006/main">
-  <p:cSld>
-    <p:spTree>
-      <p:nvGrpSpPr>
-        <p:cNvPr id="1" name=""/>
-        <p:cNvGrpSpPr/>
-        <p:nvPr/>
-      </p:nvGrpSpPr>
-      <p:grpSpPr>
-        <a:xfrm>
-          <a:off x="0" y="0"/>
-          <a:ext cx="0" cy="0"/>
-          <a:chOff x="0" y="0"/>
-          <a:chExt cx="0" cy="0"/>
-        </a:xfrm>
-      </p:grpSpPr>
-      <p:sp>
-        <p:nvSpPr>
-          <p:cNvPr id="2" name="Заголовок 1">
-            <a:extLst>
-              <a:ext uri="{FF2B5EF4-FFF2-40B4-BE49-F238E27FC236}">
-                <a16:creationId xmlns:a16="http://schemas.microsoft.com/office/drawing/2014/main" id="{C4D0256A-EC67-4BF0-B147-107E0021A38B}"/>
-              </a:ext>
-            </a:extLst>
-          </p:cNvPr>
-          <p:cNvSpPr>
-            <a:spLocks noGrp="1"/>
-          </p:cNvSpPr>
-          <p:nvPr>
-            <p:ph type="ctrTitle"/>
-          </p:nvPr>
-        </p:nvSpPr>
-        <p:spPr/>
-        <p:txBody>
-          <a:bodyPr/>
-          <a:lstStyle/>
-          <a:p>
-            <a:r>
-              <a:rPr lang="ru-RU" dirty="0"/>
-              <a:t>Осталась</a:t>
-            </a:r>
-            <a:r>
-              <a:rPr lang="en-US" dirty="0"/>
-              <a:t> </a:t>
-            </a:r>
-            <a:r>
-              <a:rPr lang="ru-RU" dirty="0"/>
-              <a:t>кнопка </a:t>
-            </a:r>
-            <a:r>
-              <a:rPr lang="en-US" dirty="0"/>
-              <a:t>CD</a:t>
-            </a:r>
-            <a:endParaRPr lang="ru-RU" dirty="0"/>
-          </a:p>
-        </p:txBody>
-      </p:sp>
-      <p:sp>
-        <p:nvSpPr>
-          <p:cNvPr id="3" name="Рисунок 2">
-            <a:extLst>
-              <a:ext uri="{FF2B5EF4-FFF2-40B4-BE49-F238E27FC236}">
-                <a16:creationId xmlns:a16="http://schemas.microsoft.com/office/drawing/2014/main" id="{8E2D14A3-969C-40C6-AF07-B1DB64A9B214}"/>
-              </a:ext>
-            </a:extLst>
-          </p:cNvPr>
-          <p:cNvSpPr>
-            <a:spLocks noGrp="1"/>
-          </p:cNvSpPr>
-          <p:nvPr>
-            <p:ph type="pic" idx="2"/>
-          </p:nvPr>
-        </p:nvSpPr>
-        <p:spPr/>
-      </p:sp>
-      <p:sp>
-        <p:nvSpPr>
-          <p:cNvPr id="4" name="Текст 3">
-            <a:extLst>
-              <a:ext uri="{FF2B5EF4-FFF2-40B4-BE49-F238E27FC236}">
-                <a16:creationId xmlns:a16="http://schemas.microsoft.com/office/drawing/2014/main" id="{C613CB37-2392-4703-9F2A-A28D20A02480}"/>
-              </a:ext>
-            </a:extLst>
-          </p:cNvPr>
-          <p:cNvSpPr>
-            <a:spLocks noGrp="1"/>
-          </p:cNvSpPr>
-          <p:nvPr>
-            <p:ph type="body" idx="1"/>
-          </p:nvPr>
-        </p:nvSpPr>
-        <p:spPr/>
-        <p:txBody>
-          <a:bodyPr/>
-          <a:lstStyle/>
-          <a:p>
-            <a:endParaRPr lang="ru-RU"/>
-          </a:p>
-        </p:txBody>
-      </p:sp>
-      <p:sp>
-        <p:nvSpPr>
-          <p:cNvPr id="5" name="Текст 4">
-            <a:extLst>
-              <a:ext uri="{FF2B5EF4-FFF2-40B4-BE49-F238E27FC236}">
-                <a16:creationId xmlns:a16="http://schemas.microsoft.com/office/drawing/2014/main" id="{7F7D2D4D-00F3-4426-9001-3CBA392FF9CD}"/>
-              </a:ext>
-            </a:extLst>
-          </p:cNvPr>
-          <p:cNvSpPr>
-            <a:spLocks noGrp="1"/>
-          </p:cNvSpPr>
-          <p:nvPr>
-            <p:ph type="body" idx="3"/>
-          </p:nvPr>
-        </p:nvSpPr>
-        <p:spPr/>
-        <p:txBody>
-          <a:bodyPr/>
-          <a:lstStyle/>
-          <a:p>
-            <a:endParaRPr lang="ru-RU"/>
-          </a:p>
-        </p:txBody>
-      </p:sp>
-      <p:sp>
-        <p:nvSpPr>
-          <p:cNvPr id="6" name="Текст 5">
-            <a:extLst>
-              <a:ext uri="{FF2B5EF4-FFF2-40B4-BE49-F238E27FC236}">
-                <a16:creationId xmlns:a16="http://schemas.microsoft.com/office/drawing/2014/main" id="{2109613B-283F-4324-B80E-C2A5BC949680}"/>
-              </a:ext>
-            </a:extLst>
-          </p:cNvPr>
-          <p:cNvSpPr>
-            <a:spLocks noGrp="1"/>
-          </p:cNvSpPr>
-          <p:nvPr>
-            <p:ph type="body" idx="4"/>
-          </p:nvPr>
-        </p:nvSpPr>
-        <p:spPr/>
-        <p:txBody>
-          <a:bodyPr/>
-          <a:lstStyle/>
-          <a:p>
-            <a:endParaRPr lang="ru-RU"/>
-          </a:p>
-        </p:txBody>
-      </p:sp>
-      <p:sp>
-        <p:nvSpPr>
-          <p:cNvPr id="7" name="Номер слайда 6">
-            <a:extLst>
-              <a:ext uri="{FF2B5EF4-FFF2-40B4-BE49-F238E27FC236}">
-                <a16:creationId xmlns:a16="http://schemas.microsoft.com/office/drawing/2014/main" id="{2DC0A4AB-8028-4159-9C16-076387709E1B}"/>
-              </a:ext>
-            </a:extLst>
-          </p:cNvPr>
-          <p:cNvSpPr>
-            <a:spLocks noGrp="1"/>
-          </p:cNvSpPr>
-          <p:nvPr>
-            <p:ph type="sldNum" idx="12"/>
-          </p:nvPr>
-        </p:nvSpPr>
-        <p:spPr/>
-        <p:txBody>
-          <a:bodyPr/>
-          <a:lstStyle/>
-          <a:p>
-            <a:pPr marL="0" lvl="0" indent="0" algn="r" rtl="0">
-              <a:spcBef>
-                <a:spcPts val="0"/>
-              </a:spcBef>
-              <a:spcAft>
-                <a:spcPts val="0"/>
-              </a:spcAft>
-              <a:buNone/>
-            </a:pPr>
-            <a:endParaRPr lang="ru-RU"/>
-          </a:p>
-        </p:txBody>
-      </p:sp>
-    </p:spTree>
-    <p:extLst>
-      <p:ext uri="{BB962C8B-B14F-4D97-AF65-F5344CB8AC3E}">
-        <p14:creationId xmlns:p14="http://schemas.microsoft.com/office/powerpoint/2010/main" val="1836996587"/>
-      </p:ext>
-    </p:extLst>
-  </p:cSld>
-  <p:clrMapOvr>
-    <a:masterClrMapping/>
-  </p:clrMapOvr>
-</p:sld>
-</file>
-
 <file path=ppt/theme/theme1.xml><?xml version="1.0" encoding="utf-8"?>
 <a:theme xmlns:a="http://schemas.openxmlformats.org/drawingml/2006/main" name="IU">
   <a:themeElements>
